--- a/keystone-2020-followup/slides.pptx
+++ b/keystone-2020-followup/slides.pptx
@@ -8,6 +8,7 @@
     <p:sldId id="256" r:id="rId2"/>
     <p:sldId id="257" r:id="rId3"/>
     <p:sldId id="258" r:id="rId4"/>
+    <p:sldId id="259" r:id="rId5"/>
   </p:sldIdLst>
   <p:sldSz cx="9144000" cy="6858000" type="screen4x3"/>
   <p:notesSz cx="6858000" cy="9144000"/>
@@ -306,7 +307,7 @@
           <a:p>
             <a:fld id="{241EB5C9-1307-BA42-ABA2-0BC069CD8E7F}" type="datetimeFigureOut">
               <a:rPr lang="en-US" smtClean="0"/>
-              <a:t>4/5/2019</a:t>
+              <a:t>2/17/2018</a:t>
             </a:fld>
             <a:endParaRPr lang="en-US"/>
           </a:p>
@@ -476,7 +477,7 @@
           <a:p>
             <a:fld id="{241EB5C9-1307-BA42-ABA2-0BC069CD8E7F}" type="datetimeFigureOut">
               <a:rPr lang="en-US" smtClean="0"/>
-              <a:t>4/5/2019</a:t>
+              <a:t>2/17/2018</a:t>
             </a:fld>
             <a:endParaRPr lang="en-US"/>
           </a:p>
@@ -656,7 +657,7 @@
           <a:p>
             <a:fld id="{241EB5C9-1307-BA42-ABA2-0BC069CD8E7F}" type="datetimeFigureOut">
               <a:rPr lang="en-US" smtClean="0"/>
-              <a:t>4/5/2019</a:t>
+              <a:t>2/17/2018</a:t>
             </a:fld>
             <a:endParaRPr lang="en-US"/>
           </a:p>
@@ -826,7 +827,7 @@
           <a:p>
             <a:fld id="{241EB5C9-1307-BA42-ABA2-0BC069CD8E7F}" type="datetimeFigureOut">
               <a:rPr lang="en-US" smtClean="0"/>
-              <a:t>4/5/2019</a:t>
+              <a:t>2/17/2018</a:t>
             </a:fld>
             <a:endParaRPr lang="en-US"/>
           </a:p>
@@ -1072,7 +1073,7 @@
           <a:p>
             <a:fld id="{241EB5C9-1307-BA42-ABA2-0BC069CD8E7F}" type="datetimeFigureOut">
               <a:rPr lang="en-US" smtClean="0"/>
-              <a:t>4/5/2019</a:t>
+              <a:t>2/17/2018</a:t>
             </a:fld>
             <a:endParaRPr lang="en-US"/>
           </a:p>
@@ -1360,7 +1361,7 @@
           <a:p>
             <a:fld id="{241EB5C9-1307-BA42-ABA2-0BC069CD8E7F}" type="datetimeFigureOut">
               <a:rPr lang="en-US" smtClean="0"/>
-              <a:t>4/5/2019</a:t>
+              <a:t>2/17/2018</a:t>
             </a:fld>
             <a:endParaRPr lang="en-US"/>
           </a:p>
@@ -1782,7 +1783,7 @@
           <a:p>
             <a:fld id="{241EB5C9-1307-BA42-ABA2-0BC069CD8E7F}" type="datetimeFigureOut">
               <a:rPr lang="en-US" smtClean="0"/>
-              <a:t>4/5/2019</a:t>
+              <a:t>2/17/2018</a:t>
             </a:fld>
             <a:endParaRPr lang="en-US"/>
           </a:p>
@@ -1900,7 +1901,7 @@
           <a:p>
             <a:fld id="{241EB5C9-1307-BA42-ABA2-0BC069CD8E7F}" type="datetimeFigureOut">
               <a:rPr lang="en-US" smtClean="0"/>
-              <a:t>4/5/2019</a:t>
+              <a:t>2/17/2018</a:t>
             </a:fld>
             <a:endParaRPr lang="en-US"/>
           </a:p>
@@ -1995,7 +1996,7 @@
           <a:p>
             <a:fld id="{241EB5C9-1307-BA42-ABA2-0BC069CD8E7F}" type="datetimeFigureOut">
               <a:rPr lang="en-US" smtClean="0"/>
-              <a:t>4/5/2019</a:t>
+              <a:t>2/17/2018</a:t>
             </a:fld>
             <a:endParaRPr lang="en-US"/>
           </a:p>
@@ -2272,7 +2273,7 @@
           <a:p>
             <a:fld id="{241EB5C9-1307-BA42-ABA2-0BC069CD8E7F}" type="datetimeFigureOut">
               <a:rPr lang="en-US" smtClean="0"/>
-              <a:t>4/5/2019</a:t>
+              <a:t>2/17/2018</a:t>
             </a:fld>
             <a:endParaRPr lang="en-US"/>
           </a:p>
@@ -2525,7 +2526,7 @@
           <a:p>
             <a:fld id="{241EB5C9-1307-BA42-ABA2-0BC069CD8E7F}" type="datetimeFigureOut">
               <a:rPr lang="en-US" smtClean="0"/>
-              <a:t>4/5/2019</a:t>
+              <a:t>2/17/2018</a:t>
             </a:fld>
             <a:endParaRPr lang="en-US"/>
           </a:p>
@@ -2738,7 +2739,7 @@
           <a:p>
             <a:fld id="{241EB5C9-1307-BA42-ABA2-0BC069CD8E7F}" type="datetimeFigureOut">
               <a:rPr lang="en-US" smtClean="0"/>
-              <a:t>4/5/2019</a:t>
+              <a:t>2/17/2018</a:t>
             </a:fld>
             <a:endParaRPr lang="en-US"/>
           </a:p>
@@ -3266,46 +3267,142 @@
           </a:p>
         </p:txBody>
       </p:sp>
-      <p:sp>
-        <p:nvSpPr>
-          <p:cNvPr id="3" name="Content Placeholder 2"/>
-          <p:cNvSpPr>
-            <a:spLocks noGrp="1"/>
-          </p:cNvSpPr>
-          <p:nvPr>
-            <p:ph idx="1"/>
-          </p:nvPr>
-        </p:nvSpPr>
-        <p:spPr/>
-        <p:txBody>
-          <a:bodyPr/>
-          <a:lstStyle/>
-          <a:p>
-            <a:pPr lvl="1"/>
-            <a:r>
-              <a:rPr/>
-              <a:t>Nearly 1000 DO mice</a:t>
-            </a:r>
-          </a:p>
-          <a:p>
-            <a:pPr lvl="1"/>
-            <a:r>
-              <a:rPr/>
-              <a:t>Vaccinated and unvaccinated are challenged with Mtb</a:t>
-            </a:r>
-          </a:p>
-          <a:p>
-            <a:pPr lvl="1"/>
-            <a:r>
-              <a:rPr/>
-              <a:t>Measured lung CFU, spleen CFU, lung histopathology, and body weight</a:t>
-            </a:r>
-          </a:p>
-          <a:p>
-            <a:pPr lvl="1"/>
-            <a:r>
-              <a:rPr/>
-              <a:t>In nearly 100 vaccinated mice, obtained blood samples (pre- and post-vaccination) for RNA seq analysis</a:t>
+      <p:pic>
+        <p:nvPicPr>
+          <p:cNvPr descr="slides_files/figure-pptx/mpp-1.png" id="0" name="Picture 1"/>
+          <p:cNvPicPr>
+            <a:picLocks noGrp="1" noChangeAspect="1"/>
+          </p:cNvPicPr>
+          <p:nvPr/>
+        </p:nvPicPr>
+        <p:blipFill>
+          <a:blip r:embed="rId2"/>
+          <a:stretch>
+            <a:fillRect/>
+          </a:stretch>
+        </p:blipFill>
+        <p:spPr bwMode="auto">
+          <a:xfrm>
+            <a:off x="2057400" y="1600200"/>
+            <a:ext cx="5016500" cy="4013200"/>
+          </a:xfrm>
+          <a:prstGeom prst="rect">
+            <a:avLst/>
+          </a:prstGeom>
+          <a:noFill/>
+          <a:ln w="9525">
+            <a:noFill/>
+            <a:headEnd/>
+            <a:tailEnd/>
+          </a:ln>
+        </p:spPr>
+      </p:pic>
+      <p:sp>
+        <p:nvSpPr>
+          <p:cNvPr id="1" name="TextBox 3"/>
+          <p:cNvSpPr txBox="1"/>
+          <p:nvPr/>
+        </p:nvSpPr>
+        <p:spPr>
+          <a:xfrm>
+            <a:off x="457200" y="5613400"/>
+            <a:ext cx="8229600" cy="508000"/>
+          </a:xfrm>
+          <a:prstGeom prst="rect">
+            <a:avLst/>
+          </a:prstGeom>
+          <a:noFill/>
+        </p:spPr>
+        <p:txBody>
+          <a:bodyPr/>
+          <a:lstStyle/>
+          <a:p>
+            <a:pPr lvl="0" marL="0" indent="0" algn="ctr">
+              <a:buNone/>
+            </a:pPr>
+            <a:r>
+              <a:rPr/>
+              <a:t>Haplotype</a:t>
+            </a:r>
+            <a:r>
+              <a:rPr/>
+              <a:t> </a:t>
+            </a:r>
+            <a:r>
+              <a:rPr/>
+              <a:t>size</a:t>
+            </a:r>
+            <a:r>
+              <a:rPr/>
+              <a:t> </a:t>
+            </a:r>
+            <a:r>
+              <a:rPr/>
+              <a:t>decreases</a:t>
+            </a:r>
+            <a:r>
+              <a:rPr/>
+              <a:t> </a:t>
+            </a:r>
+            <a:r>
+              <a:rPr/>
+              <a:t>as</a:t>
+            </a:r>
+            <a:r>
+              <a:rPr/>
+              <a:t> </a:t>
+            </a:r>
+            <a:r>
+              <a:rPr/>
+              <a:t>generation</a:t>
+            </a:r>
+            <a:r>
+              <a:rPr/>
+              <a:t> </a:t>
+            </a:r>
+            <a:r>
+              <a:rPr/>
+              <a:t>number</a:t>
+            </a:r>
+            <a:r>
+              <a:rPr/>
+              <a:t> </a:t>
+            </a:r>
+            <a:r>
+              <a:rPr/>
+              <a:t>increases</a:t>
+            </a:r>
+            <a:r>
+              <a:rPr/>
+              <a:t> </a:t>
+            </a:r>
+            <a:r>
+              <a:rPr/>
+              <a:t>in</a:t>
+            </a:r>
+            <a:r>
+              <a:rPr/>
+              <a:t> </a:t>
+            </a:r>
+            <a:r>
+              <a:rPr/>
+              <a:t>Diversity</a:t>
+            </a:r>
+            <a:r>
+              <a:rPr/>
+              <a:t> </a:t>
+            </a:r>
+            <a:r>
+              <a:rPr/>
+              <a:t>Outbred</a:t>
+            </a:r>
+            <a:r>
+              <a:rPr/>
+              <a:t> </a:t>
+            </a:r>
+            <a:r>
+              <a:rPr/>
+              <a:t>mice.</a:t>
             </a:r>
           </a:p>
         </p:txBody>
@@ -3334,6 +3431,81 @@
       </p:grpSpPr>
       <p:sp>
         <p:nvSpPr>
+          <p:cNvPr id="3" name="Content Placeholder 2"/>
+          <p:cNvSpPr>
+            <a:spLocks noGrp="1"/>
+          </p:cNvSpPr>
+          <p:nvPr>
+            <p:ph idx="1"/>
+          </p:nvPr>
+        </p:nvSpPr>
+        <p:spPr/>
+        <p:txBody>
+          <a:bodyPr/>
+          <a:lstStyle/>
+          <a:p>
+            <a:pPr lvl="0" marL="0" indent="0">
+              <a:buNone/>
+            </a:pPr>
+            <a:r>
+              <a:rPr/>
+              <a:t>???</a:t>
+            </a:r>
+          </a:p>
+          <a:p>
+            <a:pPr lvl="1"/>
+            <a:r>
+              <a:rPr/>
+              <a:t>Nearly 1000 DO mice</a:t>
+            </a:r>
+          </a:p>
+          <a:p>
+            <a:pPr lvl="1"/>
+            <a:r>
+              <a:rPr/>
+              <a:t>Vaccinated and unvaccinated are challenged with Mtb</a:t>
+            </a:r>
+          </a:p>
+          <a:p>
+            <a:pPr lvl="1"/>
+            <a:r>
+              <a:rPr/>
+              <a:t>Measured lung CFU, spleen CFU, lung histopathology, and body weight</a:t>
+            </a:r>
+          </a:p>
+          <a:p>
+            <a:pPr lvl="1"/>
+            <a:r>
+              <a:rPr/>
+              <a:t>In nearly 100 vaccinated mice, obtained blood samples (pre- and post-vaccination) for RNA seq analysis</a:t>
+            </a:r>
+          </a:p>
+        </p:txBody>
+      </p:sp>
+    </p:spTree>
+  </p:cSld>
+</p:sld>
+</file>
+
+<file path=ppt/slides/slide4.xml><?xml version="1.0" encoding="utf-8"?>
+<p:sld xmlns:a="http://schemas.openxmlformats.org/drawingml/2006/main" xmlns:r="http://schemas.openxmlformats.org/officeDocument/2006/relationships" xmlns:p="http://schemas.openxmlformats.org/presentationml/2006/main">
+  <p:cSld>
+    <p:spTree>
+      <p:nvGrpSpPr>
+        <p:cNvPr id="1" name=""/>
+        <p:cNvGrpSpPr/>
+        <p:nvPr/>
+      </p:nvGrpSpPr>
+      <p:grpSpPr>
+        <a:xfrm>
+          <a:off x="0" y="0"/>
+          <a:ext cx="0" cy="0"/>
+          <a:chOff x="0" y="0"/>
+          <a:chExt cx="0" cy="0"/>
+        </a:xfrm>
+      </p:grpSpPr>
+      <p:sp>
+        <p:nvSpPr>
           <p:cNvPr id="2" name="Title 1"/>
           <p:cNvSpPr>
             <a:spLocks noGrp="1"/>
@@ -3362,6 +3534,38 @@
               <a:rPr/>
               <a:t>plans</a:t>
             </a:r>
+            <a:r>
+              <a:rPr/>
+              <a:t> </a:t>
+            </a:r>
+            <a:r>
+              <a:rPr/>
+              <a:t>for</a:t>
+            </a:r>
+            <a:r>
+              <a:rPr/>
+              <a:t> </a:t>
+            </a:r>
+            <a:r>
+              <a:rPr/>
+              <a:t>RNA</a:t>
+            </a:r>
+            <a:r>
+              <a:rPr/>
+              <a:t> </a:t>
+            </a:r>
+            <a:r>
+              <a:rPr/>
+              <a:t>seq</a:t>
+            </a:r>
+            <a:r>
+              <a:rPr/>
+              <a:t> </a:t>
+            </a:r>
+            <a:r>
+              <a:rPr/>
+              <a:t>analysis</a:t>
+            </a:r>
           </a:p>
         </p:txBody>
       </p:sp>
@@ -3405,6 +3609,13 @@
             <a:r>
               <a:rPr/>
               <a:t>Do RNAseq peaks overlap with peaks in CC?</a:t>
+            </a:r>
+          </a:p>
+          <a:p>
+            <a:pPr lvl="2"/>
+            <a:r>
+              <a:rPr/>
+              <a:t>Can we infer allelic series at QTL in DO cohort and detect similar QTL in CC?</a:t>
             </a:r>
           </a:p>
         </p:txBody>
